--- a/Ingresso.com/Ingresso.com.pptx
+++ b/Ingresso.com/Ingresso.com.pptx
@@ -5,16 +5,17 @@
     <p:sldMasterId id="2147483648" r:id="rId1"/>
   </p:sldMasterIdLst>
   <p:sldIdLst>
-    <p:sldId id="256" r:id="rId2"/>
-    <p:sldId id="257" r:id="rId3"/>
-    <p:sldId id="258" r:id="rId4"/>
-    <p:sldId id="259" r:id="rId5"/>
-    <p:sldId id="260" r:id="rId6"/>
-    <p:sldId id="261" r:id="rId7"/>
-    <p:sldId id="262" r:id="rId8"/>
-    <p:sldId id="263" r:id="rId9"/>
-    <p:sldId id="264" r:id="rId10"/>
-    <p:sldId id="265" r:id="rId11"/>
+    <p:sldId id="266" r:id="rId2"/>
+    <p:sldId id="267" r:id="rId3"/>
+    <p:sldId id="257" r:id="rId4"/>
+    <p:sldId id="258" r:id="rId5"/>
+    <p:sldId id="259" r:id="rId6"/>
+    <p:sldId id="260" r:id="rId7"/>
+    <p:sldId id="261" r:id="rId8"/>
+    <p:sldId id="262" r:id="rId9"/>
+    <p:sldId id="263" r:id="rId10"/>
+    <p:sldId id="264" r:id="rId11"/>
+    <p:sldId id="265" r:id="rId12"/>
   </p:sldIdLst>
   <p:sldSz cx="12192000" cy="6858000"/>
   <p:notesSz cx="6858000" cy="9144000"/>
@@ -121,6 +122,18 @@
 </p:presentation>
 </file>
 
+<file path=ppt/commentAuthors.xml><?xml version="1.0" encoding="utf-8"?>
+<p:cmAuthorLst xmlns:a="http://schemas.openxmlformats.org/drawingml/2006/main" xmlns:r="http://schemas.openxmlformats.org/officeDocument/2006/relationships" xmlns:p="http://schemas.openxmlformats.org/presentationml/2006/main">
+  <p:cmAuthor id="1" name="Ninja PC" initials="NP" lastIdx="1" clrIdx="0">
+    <p:extLst>
+      <p:ext uri="{19B8F6BF-5375-455C-9EA6-DF929625EA0E}">
+        <p15:presenceInfo xmlns:p15="http://schemas.microsoft.com/office/powerpoint/2012/main" userId="Ninja PC" providerId="None"/>
+      </p:ext>
+    </p:extLst>
+  </p:cmAuthor>
+</p:cmAuthorLst>
+</file>
+
 <file path=ppt/slideLayouts/slideLayout1.xml><?xml version="1.0" encoding="utf-8"?>
 <p:sldLayout xmlns:a="http://schemas.openxmlformats.org/drawingml/2006/main" xmlns:r="http://schemas.openxmlformats.org/officeDocument/2006/relationships" xmlns:p="http://schemas.openxmlformats.org/presentationml/2006/main" type="title" preserve="1">
   <p:cSld name="Slide de Título">
@@ -252,7 +265,7 @@
           <a:p>
             <a:fld id="{7015AC13-5A45-4DD3-9861-14BBFF7848C2}" type="datetimeFigureOut">
               <a:rPr lang="pt-BR" smtClean="0"/>
-              <a:t>22/05/2022</a:t>
+              <a:t>20/06/2022</a:t>
             </a:fld>
             <a:endParaRPr lang="pt-BR"/>
           </a:p>
@@ -422,7 +435,7 @@
           <a:p>
             <a:fld id="{7015AC13-5A45-4DD3-9861-14BBFF7848C2}" type="datetimeFigureOut">
               <a:rPr lang="pt-BR" smtClean="0"/>
-              <a:t>22/05/2022</a:t>
+              <a:t>20/06/2022</a:t>
             </a:fld>
             <a:endParaRPr lang="pt-BR"/>
           </a:p>
@@ -602,7 +615,7 @@
           <a:p>
             <a:fld id="{7015AC13-5A45-4DD3-9861-14BBFF7848C2}" type="datetimeFigureOut">
               <a:rPr lang="pt-BR" smtClean="0"/>
-              <a:t>22/05/2022</a:t>
+              <a:t>20/06/2022</a:t>
             </a:fld>
             <a:endParaRPr lang="pt-BR"/>
           </a:p>
@@ -772,7 +785,7 @@
           <a:p>
             <a:fld id="{7015AC13-5A45-4DD3-9861-14BBFF7848C2}" type="datetimeFigureOut">
               <a:rPr lang="pt-BR" smtClean="0"/>
-              <a:t>22/05/2022</a:t>
+              <a:t>20/06/2022</a:t>
             </a:fld>
             <a:endParaRPr lang="pt-BR"/>
           </a:p>
@@ -1018,7 +1031,7 @@
           <a:p>
             <a:fld id="{7015AC13-5A45-4DD3-9861-14BBFF7848C2}" type="datetimeFigureOut">
               <a:rPr lang="pt-BR" smtClean="0"/>
-              <a:t>22/05/2022</a:t>
+              <a:t>20/06/2022</a:t>
             </a:fld>
             <a:endParaRPr lang="pt-BR"/>
           </a:p>
@@ -1250,7 +1263,7 @@
           <a:p>
             <a:fld id="{7015AC13-5A45-4DD3-9861-14BBFF7848C2}" type="datetimeFigureOut">
               <a:rPr lang="pt-BR" smtClean="0"/>
-              <a:t>22/05/2022</a:t>
+              <a:t>20/06/2022</a:t>
             </a:fld>
             <a:endParaRPr lang="pt-BR"/>
           </a:p>
@@ -1617,7 +1630,7 @@
           <a:p>
             <a:fld id="{7015AC13-5A45-4DD3-9861-14BBFF7848C2}" type="datetimeFigureOut">
               <a:rPr lang="pt-BR" smtClean="0"/>
-              <a:t>22/05/2022</a:t>
+              <a:t>20/06/2022</a:t>
             </a:fld>
             <a:endParaRPr lang="pt-BR"/>
           </a:p>
@@ -1735,7 +1748,7 @@
           <a:p>
             <a:fld id="{7015AC13-5A45-4DD3-9861-14BBFF7848C2}" type="datetimeFigureOut">
               <a:rPr lang="pt-BR" smtClean="0"/>
-              <a:t>22/05/2022</a:t>
+              <a:t>20/06/2022</a:t>
             </a:fld>
             <a:endParaRPr lang="pt-BR"/>
           </a:p>
@@ -1830,7 +1843,7 @@
           <a:p>
             <a:fld id="{7015AC13-5A45-4DD3-9861-14BBFF7848C2}" type="datetimeFigureOut">
               <a:rPr lang="pt-BR" smtClean="0"/>
-              <a:t>22/05/2022</a:t>
+              <a:t>20/06/2022</a:t>
             </a:fld>
             <a:endParaRPr lang="pt-BR"/>
           </a:p>
@@ -2107,7 +2120,7 @@
           <a:p>
             <a:fld id="{7015AC13-5A45-4DD3-9861-14BBFF7848C2}" type="datetimeFigureOut">
               <a:rPr lang="pt-BR" smtClean="0"/>
-              <a:t>22/05/2022</a:t>
+              <a:t>20/06/2022</a:t>
             </a:fld>
             <a:endParaRPr lang="pt-BR"/>
           </a:p>
@@ -2360,7 +2373,7 @@
           <a:p>
             <a:fld id="{7015AC13-5A45-4DD3-9861-14BBFF7848C2}" type="datetimeFigureOut">
               <a:rPr lang="pt-BR" smtClean="0"/>
-              <a:t>22/05/2022</a:t>
+              <a:t>20/06/2022</a:t>
             </a:fld>
             <a:endParaRPr lang="pt-BR"/>
           </a:p>
@@ -2573,7 +2586,7 @@
           <a:p>
             <a:fld id="{7015AC13-5A45-4DD3-9861-14BBFF7848C2}" type="datetimeFigureOut">
               <a:rPr lang="pt-BR" smtClean="0"/>
-              <a:t>22/05/2022</a:t>
+              <a:t>20/06/2022</a:t>
             </a:fld>
             <a:endParaRPr lang="pt-BR"/>
           </a:p>
@@ -2985,71 +2998,76 @@
             <a:spLocks noGrp="1"/>
           </p:cNvSpPr>
           <p:nvPr>
-            <p:ph type="ctrTitle"/>
-          </p:nvPr>
-        </p:nvSpPr>
-        <p:spPr/>
-        <p:txBody>
-          <a:bodyPr>
-            <a:normAutofit fontScale="90000"/>
-          </a:bodyPr>
-          <a:lstStyle/>
-          <a:p>
-            <a:r>
-              <a:rPr lang="pt-BR" dirty="0" smtClean="0"/>
-              <a:t>Processo de Reserva de assento de uma sessão de cinema pelo ingresso.com</a:t>
-            </a:r>
-            <a:endParaRPr lang="pt-BR" dirty="0"/>
-          </a:p>
-        </p:txBody>
-      </p:sp>
-      <p:sp>
-        <p:nvSpPr>
-          <p:cNvPr id="3" name="Subtítulo 2"/>
-          <p:cNvSpPr>
-            <a:spLocks noGrp="1"/>
-          </p:cNvSpPr>
-          <p:nvPr>
-            <p:ph type="subTitle" idx="1"/>
-          </p:nvPr>
-        </p:nvSpPr>
-        <p:spPr/>
-        <p:txBody>
-          <a:bodyPr/>
-          <a:lstStyle/>
-          <a:p>
-            <a:r>
-              <a:rPr lang="pt-BR" dirty="0" smtClean="0"/>
-              <a:t>Feito por Erick </a:t>
-            </a:r>
-            <a:r>
-              <a:rPr lang="pt-BR" dirty="0" err="1" smtClean="0"/>
-              <a:t>Eloi</a:t>
-            </a:r>
-            <a:r>
-              <a:rPr lang="pt-BR" dirty="0" smtClean="0"/>
-              <a:t> Pimenta Pimentel</a:t>
-            </a:r>
-          </a:p>
-          <a:p>
-            <a:r>
-              <a:rPr lang="pt-BR" dirty="0" smtClean="0"/>
-              <a:t>😀 😎 🗿</a:t>
-            </a:r>
-            <a:endParaRPr lang="pt-BR" dirty="0"/>
-          </a:p>
-        </p:txBody>
-      </p:sp>
+            <p:ph type="title"/>
+          </p:nvPr>
+        </p:nvSpPr>
+        <p:spPr/>
+        <p:txBody>
+          <a:bodyPr/>
+          <a:lstStyle/>
+          <a:p>
+            <a:endParaRPr lang="pt-BR"/>
+          </a:p>
+        </p:txBody>
+      </p:sp>
+      <p:pic>
+        <p:nvPicPr>
+          <p:cNvPr id="2056" name="Picture 8" descr="RAPAZ RATINHO DE VARIAS FORMAS - YouTube"/>
+          <p:cNvPicPr>
+            <a:picLocks noChangeAspect="1" noChangeArrowheads="1"/>
+          </p:cNvPicPr>
+          <p:nvPr/>
+        </p:nvPicPr>
+        <p:blipFill>
+          <a:blip r:embed="rId2">
+            <a:extLst>
+              <a:ext uri="{28A0092B-C50C-407E-A947-70E740481C1C}">
+                <a14:useLocalDpi xmlns:a14="http://schemas.microsoft.com/office/drawing/2010/main" val="0"/>
+              </a:ext>
+            </a:extLst>
+          </a:blip>
+          <a:srcRect/>
+          <a:stretch>
+            <a:fillRect/>
+          </a:stretch>
+        </p:blipFill>
+        <p:spPr bwMode="auto">
+          <a:xfrm>
+            <a:off x="-1033272" y="-1452342"/>
+            <a:ext cx="13335000" cy="10001253"/>
+          </a:xfrm>
+          <a:prstGeom prst="rect">
+            <a:avLst/>
+          </a:prstGeom>
+          <a:noFill/>
+          <a:extLst>
+            <a:ext uri="{909E8E84-426E-40DD-AFC4-6F175D3DCCD1}">
+              <a14:hiddenFill xmlns:a14="http://schemas.microsoft.com/office/drawing/2010/main">
+                <a:solidFill>
+                  <a:srgbClr val="FFFFFF"/>
+                </a:solidFill>
+              </a14:hiddenFill>
+            </a:ext>
+          </a:extLst>
+        </p:spPr>
+      </p:pic>
     </p:spTree>
     <p:extLst>
       <p:ext uri="{BB962C8B-B14F-4D97-AF65-F5344CB8AC3E}">
-        <p14:creationId xmlns:p14="http://schemas.microsoft.com/office/powerpoint/2010/main" val="4250214548"/>
+        <p14:creationId xmlns:p14="http://schemas.microsoft.com/office/powerpoint/2010/main" val="1492054809"/>
       </p:ext>
     </p:extLst>
   </p:cSld>
   <p:clrMapOvr>
     <a:masterClrMapping/>
   </p:clrMapOvr>
+  <p:timing>
+    <p:tnLst>
+      <p:par>
+        <p:cTn id="1" dur="indefinite" restart="never" nodeType="tmRoot"/>
+      </p:par>
+    </p:tnLst>
+  </p:timing>
 </p:sld>
 </file>
 
@@ -3086,16 +3104,111 @@
           <a:lstStyle/>
           <a:p>
             <a:r>
-              <a:rPr lang="pt-BR" smtClean="0"/>
-              <a:t>Abrir </a:t>
-            </a:r>
-            <a:r>
-              <a:rPr lang="pt-BR" smtClean="0"/>
-              <a:t>PDF – </a:t>
-            </a:r>
-            <a:r>
               <a:rPr lang="pt-BR" dirty="0" smtClean="0"/>
-              <a:t/>
+              <a:t>Fazer </a:t>
+            </a:r>
+            <a:r>
+              <a:rPr lang="pt-BR" dirty="0" err="1" smtClean="0"/>
+              <a:t>Login</a:t>
+            </a:r>
+            <a:r>
+              <a:rPr lang="pt-BR" dirty="0" smtClean="0"/>
+              <a:t> / Cadastro... E etc...</a:t>
+            </a:r>
+            <a:endParaRPr lang="pt-BR" dirty="0"/>
+          </a:p>
+        </p:txBody>
+      </p:sp>
+      <p:pic>
+        <p:nvPicPr>
+          <p:cNvPr id="6" name="Espaço Reservado para Conteúdo 5"/>
+          <p:cNvPicPr>
+            <a:picLocks noGrp="1" noChangeAspect="1"/>
+          </p:cNvPicPr>
+          <p:nvPr>
+            <p:ph idx="1"/>
+          </p:nvPr>
+        </p:nvPicPr>
+        <p:blipFill>
+          <a:blip r:embed="rId2"/>
+          <a:stretch>
+            <a:fillRect/>
+          </a:stretch>
+        </p:blipFill>
+        <p:spPr>
+          <a:xfrm>
+            <a:off x="2468747" y="1825625"/>
+            <a:ext cx="7254506" cy="4351338"/>
+          </a:xfrm>
+          <a:prstGeom prst="rect">
+            <a:avLst/>
+          </a:prstGeom>
+        </p:spPr>
+      </p:pic>
+    </p:spTree>
+    <p:extLst>
+      <p:ext uri="{BB962C8B-B14F-4D97-AF65-F5344CB8AC3E}">
+        <p14:creationId xmlns:p14="http://schemas.microsoft.com/office/powerpoint/2010/main" val="1249410930"/>
+      </p:ext>
+    </p:extLst>
+  </p:cSld>
+  <p:clrMapOvr>
+    <a:masterClrMapping/>
+  </p:clrMapOvr>
+</p:sld>
+</file>
+
+<file path=ppt/slides/slide11.xml><?xml version="1.0" encoding="utf-8"?>
+<p:sld xmlns:a="http://schemas.openxmlformats.org/drawingml/2006/main" xmlns:r="http://schemas.openxmlformats.org/officeDocument/2006/relationships" xmlns:p="http://schemas.openxmlformats.org/presentationml/2006/main">
+  <p:cSld>
+    <p:spTree>
+      <p:nvGrpSpPr>
+        <p:cNvPr id="1" name=""/>
+        <p:cNvGrpSpPr/>
+        <p:nvPr/>
+      </p:nvGrpSpPr>
+      <p:grpSpPr>
+        <a:xfrm>
+          <a:off x="0" y="0"/>
+          <a:ext cx="0" cy="0"/>
+          <a:chOff x="0" y="0"/>
+          <a:chExt cx="0" cy="0"/>
+        </a:xfrm>
+      </p:grpSpPr>
+      <p:sp>
+        <p:nvSpPr>
+          <p:cNvPr id="2" name="Título 1"/>
+          <p:cNvSpPr>
+            <a:spLocks noGrp="1"/>
+          </p:cNvSpPr>
+          <p:nvPr>
+            <p:ph type="title"/>
+          </p:nvPr>
+        </p:nvSpPr>
+        <p:spPr/>
+        <p:txBody>
+          <a:bodyPr/>
+          <a:lstStyle/>
+          <a:p>
+            <a:r>
+              <a:rPr lang="pt-BR" dirty="0" smtClean="0"/>
+              <a:t>Abrir PDF ou </a:t>
+            </a:r>
+            <a:r>
+              <a:rPr lang="pt-BR" dirty="0" err="1" smtClean="0"/>
+              <a:t>Bizagi</a:t>
+            </a:r>
+            <a:r>
+              <a:rPr lang="pt-BR" dirty="0" smtClean="0"/>
+              <a:t> </a:t>
+            </a:r>
+            <a:r>
+              <a:rPr lang="pt-BR" dirty="0" err="1" smtClean="0"/>
+              <a:t>Modeler</a:t>
+            </a:r>
+            <a:r>
+              <a:rPr lang="pt-BR" dirty="0" smtClean="0"/>
+              <a:t> – </a:t>
             </a:r>
             <a:br>
               <a:rPr lang="pt-BR" dirty="0" smtClean="0"/>
@@ -3125,15 +3238,8 @@
           <a:p>
             <a:r>
               <a:rPr lang="pt-BR" dirty="0" smtClean="0"/>
-              <a:t>Clique para abrir</a:t>
-            </a:r>
-            <a:r>
-              <a:rPr lang="pt-BR" dirty="0"/>
-              <a:t>: https://github.com/erickeloi/Modelagem-BPMN/</a:t>
-            </a:r>
-            <a:endParaRPr lang="pt-BR" dirty="0" smtClean="0"/>
-          </a:p>
-          <a:p>
+              <a:t>Clique para abrir:</a:t>
+            </a:r>
             <a:endParaRPr lang="pt-BR" dirty="0"/>
           </a:p>
         </p:txBody>
@@ -3147,20 +3253,20 @@
           <p:nvPr>
             <p:extLst>
               <p:ext uri="{D42A27DB-BD31-4B8C-83A1-F6EECF244321}">
-                <p14:modId xmlns:p14="http://schemas.microsoft.com/office/powerpoint/2010/main" val="1927590880"/>
+                <p14:modId xmlns:p14="http://schemas.microsoft.com/office/powerpoint/2010/main" val="1661833122"/>
               </p:ext>
             </p:extLst>
           </p:nvPr>
         </p:nvGraphicFramePr>
         <p:xfrm>
-          <a:off x="838200" y="2811400"/>
-          <a:ext cx="10238927" cy="2379787"/>
+          <a:off x="838200" y="2625967"/>
+          <a:ext cx="5497742" cy="1277815"/>
         </p:xfrm>
         <a:graphic>
           <a:graphicData uri="http://schemas.openxmlformats.org/presentationml/2006/ole">
             <mc:AlternateContent xmlns:mc="http://schemas.openxmlformats.org/markup-compatibility/2006">
               <mc:Choice xmlns:v="urn:schemas-microsoft-com:vml" Requires="v">
-                <p:oleObj spid="_x0000_s1028" name="Objeto de Shell de Gerenciador" showAsIcon="1" r:id="rId3" imgW="2506680" imgH="582120" progId="Package">
+                <p:oleObj spid="_x0000_s1030" name="Objeto de Shell de Gerenciador" showAsIcon="1" r:id="rId3" imgW="2506680" imgH="582120" progId="Package">
                   <p:embed/>
                 </p:oleObj>
               </mc:Choice>
@@ -3181,8 +3287,65 @@
                     </p:blipFill>
                     <p:spPr>
                       <a:xfrm>
-                        <a:off x="838200" y="2811400"/>
-                        <a:ext cx="10238927" cy="2379787"/>
+                        <a:off x="838200" y="2625967"/>
+                        <a:ext cx="5497742" cy="1277815"/>
+                      </a:xfrm>
+                      <a:prstGeom prst="rect">
+                        <a:avLst/>
+                      </a:prstGeom>
+                    </p:spPr>
+                  </p:pic>
+                </p:oleObj>
+              </mc:Fallback>
+            </mc:AlternateContent>
+          </a:graphicData>
+        </a:graphic>
+      </p:graphicFrame>
+      <p:graphicFrame>
+        <p:nvGraphicFramePr>
+          <p:cNvPr id="6" name="Objeto 5"/>
+          <p:cNvGraphicFramePr>
+            <a:graphicFrameLocks noChangeAspect="1"/>
+          </p:cNvGraphicFramePr>
+          <p:nvPr>
+            <p:extLst>
+              <p:ext uri="{D42A27DB-BD31-4B8C-83A1-F6EECF244321}">
+                <p14:modId xmlns:p14="http://schemas.microsoft.com/office/powerpoint/2010/main" val="2903258859"/>
+              </p:ext>
+            </p:extLst>
+          </p:nvPr>
+        </p:nvGraphicFramePr>
+        <p:xfrm>
+          <a:off x="6692290" y="2625967"/>
+          <a:ext cx="2963000" cy="1277815"/>
+        </p:xfrm>
+        <a:graphic>
+          <a:graphicData uri="http://schemas.openxmlformats.org/presentationml/2006/ole">
+            <mc:AlternateContent xmlns:mc="http://schemas.openxmlformats.org/markup-compatibility/2006">
+              <mc:Choice xmlns:v="urn:schemas-microsoft-com:vml" Requires="v">
+                <p:oleObj spid="_x0000_s1031" name="Objeto de Shell de Gerenciador" showAsIcon="1" r:id="rId5" imgW="1350720" imgH="582120" progId="Package">
+                  <p:embed/>
+                </p:oleObj>
+              </mc:Choice>
+              <mc:Fallback>
+                <p:oleObj name="Objeto de Shell de Gerenciador" showAsIcon="1" r:id="rId5" imgW="1350720" imgH="582120" progId="Package">
+                  <p:embed/>
+                  <p:pic>
+                    <p:nvPicPr>
+                      <p:cNvPr id="0" name=""/>
+                      <p:cNvPicPr/>
+                      <p:nvPr/>
+                    </p:nvPicPr>
+                    <p:blipFill>
+                      <a:blip r:embed="rId6"/>
+                      <a:stretch>
+                        <a:fillRect/>
+                      </a:stretch>
+                    </p:blipFill>
+                    <p:spPr>
+                      <a:xfrm>
+                        <a:off x="6692290" y="2625967"/>
+                        <a:ext cx="2963000" cy="1277815"/>
                       </a:xfrm>
                       <a:prstGeom prst="rect">
                         <a:avLst/>
@@ -3235,6 +3398,204 @@
             <p:ph type="title"/>
           </p:nvPr>
         </p:nvSpPr>
+        <p:spPr>
+          <a:xfrm>
+            <a:off x="729995" y="2681605"/>
+            <a:ext cx="10515600" cy="1325563"/>
+          </a:xfrm>
+        </p:spPr>
+        <p:txBody>
+          <a:bodyPr>
+            <a:normAutofit fontScale="90000"/>
+          </a:bodyPr>
+          <a:lstStyle/>
+          <a:p>
+            <a:pPr algn="ctr"/>
+            <a:r>
+              <a:rPr lang="pt-BR" dirty="0">
+                <a:latin typeface="Arial" panose="020B0604020202020204" pitchFamily="34" charset="0"/>
+                <a:cs typeface="Arial" panose="020B0604020202020204" pitchFamily="34" charset="0"/>
+              </a:rPr>
+              <a:t>Processo de Reserva de </a:t>
+            </a:r>
+            <a:r>
+              <a:rPr lang="pt-BR" dirty="0" smtClean="0">
+                <a:latin typeface="Arial" panose="020B0604020202020204" pitchFamily="34" charset="0"/>
+                <a:cs typeface="Arial" panose="020B0604020202020204" pitchFamily="34" charset="0"/>
+              </a:rPr>
+              <a:t>assento de </a:t>
+            </a:r>
+            <a:r>
+              <a:rPr lang="pt-BR" dirty="0">
+                <a:latin typeface="Arial" panose="020B0604020202020204" pitchFamily="34" charset="0"/>
+                <a:cs typeface="Arial" panose="020B0604020202020204" pitchFamily="34" charset="0"/>
+              </a:rPr>
+              <a:t>uma sessão de cinema </a:t>
+            </a:r>
+            <a:r>
+              <a:rPr lang="pt-BR" dirty="0" smtClean="0">
+                <a:latin typeface="Arial" panose="020B0604020202020204" pitchFamily="34" charset="0"/>
+                <a:cs typeface="Arial" panose="020B0604020202020204" pitchFamily="34" charset="0"/>
+              </a:rPr>
+              <a:t>pelo </a:t>
+            </a:r>
+            <a:r>
+              <a:rPr lang="pt-BR" dirty="0">
+                <a:latin typeface="Arial" panose="020B0604020202020204" pitchFamily="34" charset="0"/>
+                <a:cs typeface="Arial" panose="020B0604020202020204" pitchFamily="34" charset="0"/>
+              </a:rPr>
+              <a:t>ingresso.com</a:t>
+            </a:r>
+            <a:br>
+              <a:rPr lang="pt-BR" dirty="0">
+                <a:latin typeface="Arial" panose="020B0604020202020204" pitchFamily="34" charset="0"/>
+                <a:cs typeface="Arial" panose="020B0604020202020204" pitchFamily="34" charset="0"/>
+              </a:rPr>
+            </a:br>
+            <a:endParaRPr lang="pt-BR" dirty="0"/>
+          </a:p>
+        </p:txBody>
+      </p:sp>
+      <p:sp>
+        <p:nvSpPr>
+          <p:cNvPr id="3" name="Espaço Reservado para Conteúdo 2"/>
+          <p:cNvSpPr>
+            <a:spLocks noGrp="1"/>
+          </p:cNvSpPr>
+          <p:nvPr>
+            <p:ph idx="1"/>
+          </p:nvPr>
+        </p:nvSpPr>
+        <p:spPr>
+          <a:xfrm>
+            <a:off x="621792" y="5291327"/>
+            <a:ext cx="10732008" cy="885635"/>
+          </a:xfrm>
+        </p:spPr>
+        <p:txBody>
+          <a:bodyPr>
+            <a:normAutofit fontScale="92500" lnSpcReduction="10000"/>
+          </a:bodyPr>
+          <a:lstStyle/>
+          <a:p>
+            <a:pPr marL="0" indent="0" algn="ctr">
+              <a:buNone/>
+            </a:pPr>
+            <a:r>
+              <a:rPr lang="pt-BR" dirty="0"/>
+              <a:t>Feito por Erick </a:t>
+            </a:r>
+            <a:r>
+              <a:rPr lang="pt-BR" dirty="0" err="1"/>
+              <a:t>Eloi</a:t>
+            </a:r>
+            <a:r>
+              <a:rPr lang="pt-BR" dirty="0"/>
+              <a:t> Pimenta Pimentel</a:t>
+            </a:r>
+          </a:p>
+          <a:p>
+            <a:pPr marL="0" indent="0" algn="ctr">
+              <a:buNone/>
+            </a:pPr>
+            <a:r>
+              <a:rPr lang="pt-BR" dirty="0"/>
+              <a:t>😀 😎 🗿</a:t>
+            </a:r>
+          </a:p>
+          <a:p>
+            <a:endParaRPr lang="pt-BR" dirty="0"/>
+          </a:p>
+        </p:txBody>
+      </p:sp>
+      <p:pic>
+        <p:nvPicPr>
+          <p:cNvPr id="4" name="Picture 4" descr="ufpa.png"/>
+          <p:cNvPicPr>
+            <a:picLocks noChangeAspect="1" noChangeArrowheads="1"/>
+          </p:cNvPicPr>
+          <p:nvPr/>
+        </p:nvPicPr>
+        <p:blipFill>
+          <a:blip r:embed="rId2" cstate="print">
+            <a:extLst>
+              <a:ext uri="{28A0092B-C50C-407E-A947-70E740481C1C}">
+                <a14:useLocalDpi xmlns:a14="http://schemas.microsoft.com/office/drawing/2010/main" val="0"/>
+              </a:ext>
+            </a:extLst>
+          </a:blip>
+          <a:srcRect/>
+          <a:stretch>
+            <a:fillRect/>
+          </a:stretch>
+        </p:blipFill>
+        <p:spPr bwMode="auto">
+          <a:xfrm>
+            <a:off x="5175502" y="119761"/>
+            <a:ext cx="1624587" cy="1942973"/>
+          </a:xfrm>
+          <a:prstGeom prst="rect">
+            <a:avLst/>
+          </a:prstGeom>
+          <a:noFill/>
+          <a:extLst>
+            <a:ext uri="{909E8E84-426E-40DD-AFC4-6F175D3DCCD1}">
+              <a14:hiddenFill xmlns:a14="http://schemas.microsoft.com/office/drawing/2010/main">
+                <a:solidFill>
+                  <a:srgbClr val="FFFFFF"/>
+                </a:solidFill>
+              </a14:hiddenFill>
+            </a:ext>
+          </a:extLst>
+        </p:spPr>
+      </p:pic>
+    </p:spTree>
+    <p:extLst>
+      <p:ext uri="{BB962C8B-B14F-4D97-AF65-F5344CB8AC3E}">
+        <p14:creationId xmlns:p14="http://schemas.microsoft.com/office/powerpoint/2010/main" val="2876377460"/>
+      </p:ext>
+    </p:extLst>
+  </p:cSld>
+  <p:clrMapOvr>
+    <a:masterClrMapping/>
+  </p:clrMapOvr>
+  <p:timing>
+    <p:tnLst>
+      <p:par>
+        <p:cTn id="1" dur="indefinite" restart="never" nodeType="tmRoot"/>
+      </p:par>
+    </p:tnLst>
+  </p:timing>
+</p:sld>
+</file>
+
+<file path=ppt/slides/slide3.xml><?xml version="1.0" encoding="utf-8"?>
+<p:sld xmlns:a="http://schemas.openxmlformats.org/drawingml/2006/main" xmlns:r="http://schemas.openxmlformats.org/officeDocument/2006/relationships" xmlns:p="http://schemas.openxmlformats.org/presentationml/2006/main">
+  <p:cSld>
+    <p:spTree>
+      <p:nvGrpSpPr>
+        <p:cNvPr id="1" name=""/>
+        <p:cNvGrpSpPr/>
+        <p:nvPr/>
+      </p:nvGrpSpPr>
+      <p:grpSpPr>
+        <a:xfrm>
+          <a:off x="0" y="0"/>
+          <a:ext cx="0" cy="0"/>
+          <a:chOff x="0" y="0"/>
+          <a:chExt cx="0" cy="0"/>
+        </a:xfrm>
+      </p:grpSpPr>
+      <p:sp>
+        <p:nvSpPr>
+          <p:cNvPr id="2" name="Título 1"/>
+          <p:cNvSpPr>
+            <a:spLocks noGrp="1"/>
+          </p:cNvSpPr>
+          <p:nvPr>
+            <p:ph type="title"/>
+          </p:nvPr>
+        </p:nvSpPr>
         <p:spPr/>
         <p:txBody>
           <a:bodyPr/>
@@ -3284,10 +3645,17 @@
   <p:clrMapOvr>
     <a:masterClrMapping/>
   </p:clrMapOvr>
+  <p:timing>
+    <p:tnLst>
+      <p:par>
+        <p:cTn id="1" dur="indefinite" restart="never" nodeType="tmRoot"/>
+      </p:par>
+    </p:tnLst>
+  </p:timing>
 </p:sld>
 </file>
 
-<file path=ppt/slides/slide3.xml><?xml version="1.0" encoding="utf-8"?>
+<file path=ppt/slides/slide4.xml><?xml version="1.0" encoding="utf-8"?>
 <p:sld xmlns:a="http://schemas.openxmlformats.org/drawingml/2006/main" xmlns:r="http://schemas.openxmlformats.org/officeDocument/2006/relationships" xmlns:p="http://schemas.openxmlformats.org/presentationml/2006/main">
   <p:cSld>
     <p:spTree>
@@ -3363,10 +3731,17 @@
   <p:clrMapOvr>
     <a:masterClrMapping/>
   </p:clrMapOvr>
+  <p:timing>
+    <p:tnLst>
+      <p:par>
+        <p:cTn id="1" dur="indefinite" restart="never" nodeType="tmRoot"/>
+      </p:par>
+    </p:tnLst>
+  </p:timing>
 </p:sld>
 </file>
 
-<file path=ppt/slides/slide4.xml><?xml version="1.0" encoding="utf-8"?>
+<file path=ppt/slides/slide5.xml><?xml version="1.0" encoding="utf-8"?>
 <p:sld xmlns:a="http://schemas.openxmlformats.org/drawingml/2006/main" xmlns:r="http://schemas.openxmlformats.org/officeDocument/2006/relationships" xmlns:p="http://schemas.openxmlformats.org/presentationml/2006/main">
   <p:cSld>
     <p:spTree>
@@ -3442,10 +3817,17 @@
   <p:clrMapOvr>
     <a:masterClrMapping/>
   </p:clrMapOvr>
+  <p:timing>
+    <p:tnLst>
+      <p:par>
+        <p:cTn id="1" dur="indefinite" restart="never" nodeType="tmRoot"/>
+      </p:par>
+    </p:tnLst>
+  </p:timing>
 </p:sld>
 </file>
 
-<file path=ppt/slides/slide5.xml><?xml version="1.0" encoding="utf-8"?>
+<file path=ppt/slides/slide6.xml><?xml version="1.0" encoding="utf-8"?>
 <p:sld xmlns:a="http://schemas.openxmlformats.org/drawingml/2006/main" xmlns:r="http://schemas.openxmlformats.org/officeDocument/2006/relationships" xmlns:p="http://schemas.openxmlformats.org/presentationml/2006/main">
   <p:cSld>
     <p:spTree>
@@ -3548,7 +3930,7 @@
 </p:sld>
 </file>
 
-<file path=ppt/slides/slide6.xml><?xml version="1.0" encoding="utf-8"?>
+<file path=ppt/slides/slide7.xml><?xml version="1.0" encoding="utf-8"?>
 <p:sld xmlns:a="http://schemas.openxmlformats.org/drawingml/2006/main" xmlns:r="http://schemas.openxmlformats.org/officeDocument/2006/relationships" xmlns:p="http://schemas.openxmlformats.org/presentationml/2006/main">
   <p:cSld>
     <p:spTree>
@@ -3627,7 +4009,7 @@
 </p:sld>
 </file>
 
-<file path=ppt/slides/slide7.xml><?xml version="1.0" encoding="utf-8"?>
+<file path=ppt/slides/slide8.xml><?xml version="1.0" encoding="utf-8"?>
 <p:sld xmlns:a="http://schemas.openxmlformats.org/drawingml/2006/main" xmlns:r="http://schemas.openxmlformats.org/officeDocument/2006/relationships" xmlns:p="http://schemas.openxmlformats.org/presentationml/2006/main">
   <p:cSld>
     <p:spTree>
@@ -3706,7 +4088,7 @@
 </p:sld>
 </file>
 
-<file path=ppt/slides/slide8.xml><?xml version="1.0" encoding="utf-8"?>
+<file path=ppt/slides/slide9.xml><?xml version="1.0" encoding="utf-8"?>
 <p:sld xmlns:a="http://schemas.openxmlformats.org/drawingml/2006/main" xmlns:r="http://schemas.openxmlformats.org/officeDocument/2006/relationships" xmlns:p="http://schemas.openxmlformats.org/presentationml/2006/main">
   <p:cSld>
     <p:spTree>
@@ -3776,93 +4158,6 @@
     <p:extLst>
       <p:ext uri="{BB962C8B-B14F-4D97-AF65-F5344CB8AC3E}">
         <p14:creationId xmlns:p14="http://schemas.microsoft.com/office/powerpoint/2010/main" val="2853393373"/>
-      </p:ext>
-    </p:extLst>
-  </p:cSld>
-  <p:clrMapOvr>
-    <a:masterClrMapping/>
-  </p:clrMapOvr>
-</p:sld>
-</file>
-
-<file path=ppt/slides/slide9.xml><?xml version="1.0" encoding="utf-8"?>
-<p:sld xmlns:a="http://schemas.openxmlformats.org/drawingml/2006/main" xmlns:r="http://schemas.openxmlformats.org/officeDocument/2006/relationships" xmlns:p="http://schemas.openxmlformats.org/presentationml/2006/main">
-  <p:cSld>
-    <p:spTree>
-      <p:nvGrpSpPr>
-        <p:cNvPr id="1" name=""/>
-        <p:cNvGrpSpPr/>
-        <p:nvPr/>
-      </p:nvGrpSpPr>
-      <p:grpSpPr>
-        <a:xfrm>
-          <a:off x="0" y="0"/>
-          <a:ext cx="0" cy="0"/>
-          <a:chOff x="0" y="0"/>
-          <a:chExt cx="0" cy="0"/>
-        </a:xfrm>
-      </p:grpSpPr>
-      <p:sp>
-        <p:nvSpPr>
-          <p:cNvPr id="2" name="Título 1"/>
-          <p:cNvSpPr>
-            <a:spLocks noGrp="1"/>
-          </p:cNvSpPr>
-          <p:nvPr>
-            <p:ph type="title"/>
-          </p:nvPr>
-        </p:nvSpPr>
-        <p:spPr/>
-        <p:txBody>
-          <a:bodyPr/>
-          <a:lstStyle/>
-          <a:p>
-            <a:r>
-              <a:rPr lang="pt-BR" dirty="0" smtClean="0"/>
-              <a:t>Fazer </a:t>
-            </a:r>
-            <a:r>
-              <a:rPr lang="pt-BR" dirty="0" err="1" smtClean="0"/>
-              <a:t>Login</a:t>
-            </a:r>
-            <a:r>
-              <a:rPr lang="pt-BR" dirty="0" smtClean="0"/>
-              <a:t> / Cadastro... E etc...</a:t>
-            </a:r>
-            <a:endParaRPr lang="pt-BR" dirty="0"/>
-          </a:p>
-        </p:txBody>
-      </p:sp>
-      <p:pic>
-        <p:nvPicPr>
-          <p:cNvPr id="6" name="Espaço Reservado para Conteúdo 5"/>
-          <p:cNvPicPr>
-            <a:picLocks noGrp="1" noChangeAspect="1"/>
-          </p:cNvPicPr>
-          <p:nvPr>
-            <p:ph idx="1"/>
-          </p:nvPr>
-        </p:nvPicPr>
-        <p:blipFill>
-          <a:blip r:embed="rId2"/>
-          <a:stretch>
-            <a:fillRect/>
-          </a:stretch>
-        </p:blipFill>
-        <p:spPr>
-          <a:xfrm>
-            <a:off x="2468747" y="1825625"/>
-            <a:ext cx="7254506" cy="4351338"/>
-          </a:xfrm>
-          <a:prstGeom prst="rect">
-            <a:avLst/>
-          </a:prstGeom>
-        </p:spPr>
-      </p:pic>
-    </p:spTree>
-    <p:extLst>
-      <p:ext uri="{BB962C8B-B14F-4D97-AF65-F5344CB8AC3E}">
-        <p14:creationId xmlns:p14="http://schemas.microsoft.com/office/powerpoint/2010/main" val="1249410930"/>
       </p:ext>
     </p:extLst>
   </p:cSld>
